--- a/Techniker Dokus/Mockup User.pptx
+++ b/Techniker Dokus/Mockup User.pptx
@@ -251,7 +251,7 @@
           <a:p>
             <a:fld id="{9AE0B9D9-3596-4B24-B3CA-03CDA3BD7579}" type="datetimeFigureOut">
               <a:rPr lang="de-DE" smtClean="0"/>
-              <a:t>08.02.2016</a:t>
+              <a:t>04.03.2016</a:t>
             </a:fld>
             <a:endParaRPr lang="de-DE"/>
           </a:p>
@@ -421,7 +421,7 @@
           <a:p>
             <a:fld id="{9AE0B9D9-3596-4B24-B3CA-03CDA3BD7579}" type="datetimeFigureOut">
               <a:rPr lang="de-DE" smtClean="0"/>
-              <a:t>08.02.2016</a:t>
+              <a:t>04.03.2016</a:t>
             </a:fld>
             <a:endParaRPr lang="de-DE"/>
           </a:p>
@@ -601,7 +601,7 @@
           <a:p>
             <a:fld id="{9AE0B9D9-3596-4B24-B3CA-03CDA3BD7579}" type="datetimeFigureOut">
               <a:rPr lang="de-DE" smtClean="0"/>
-              <a:t>08.02.2016</a:t>
+              <a:t>04.03.2016</a:t>
             </a:fld>
             <a:endParaRPr lang="de-DE"/>
           </a:p>
@@ -861,7 +861,7 @@
           <a:p>
             <a:fld id="{9AE0B9D9-3596-4B24-B3CA-03CDA3BD7579}" type="datetimeFigureOut">
               <a:rPr lang="de-DE" smtClean="0"/>
-              <a:t>08.02.2016</a:t>
+              <a:t>04.03.2016</a:t>
             </a:fld>
             <a:endParaRPr lang="de-DE"/>
           </a:p>
@@ -1107,7 +1107,7 @@
           <a:p>
             <a:fld id="{9AE0B9D9-3596-4B24-B3CA-03CDA3BD7579}" type="datetimeFigureOut">
               <a:rPr lang="de-DE" smtClean="0"/>
-              <a:t>08.02.2016</a:t>
+              <a:t>04.03.2016</a:t>
             </a:fld>
             <a:endParaRPr lang="de-DE"/>
           </a:p>
@@ -1339,7 +1339,7 @@
           <a:p>
             <a:fld id="{9AE0B9D9-3596-4B24-B3CA-03CDA3BD7579}" type="datetimeFigureOut">
               <a:rPr lang="de-DE" smtClean="0"/>
-              <a:t>08.02.2016</a:t>
+              <a:t>04.03.2016</a:t>
             </a:fld>
             <a:endParaRPr lang="de-DE"/>
           </a:p>
@@ -1706,7 +1706,7 @@
           <a:p>
             <a:fld id="{9AE0B9D9-3596-4B24-B3CA-03CDA3BD7579}" type="datetimeFigureOut">
               <a:rPr lang="de-DE" smtClean="0"/>
-              <a:t>08.02.2016</a:t>
+              <a:t>04.03.2016</a:t>
             </a:fld>
             <a:endParaRPr lang="de-DE"/>
           </a:p>
@@ -1824,7 +1824,7 @@
           <a:p>
             <a:fld id="{9AE0B9D9-3596-4B24-B3CA-03CDA3BD7579}" type="datetimeFigureOut">
               <a:rPr lang="de-DE" smtClean="0"/>
-              <a:t>08.02.2016</a:t>
+              <a:t>04.03.2016</a:t>
             </a:fld>
             <a:endParaRPr lang="de-DE"/>
           </a:p>
@@ -1919,7 +1919,7 @@
           <a:p>
             <a:fld id="{9AE0B9D9-3596-4B24-B3CA-03CDA3BD7579}" type="datetimeFigureOut">
               <a:rPr lang="de-DE" smtClean="0"/>
-              <a:t>08.02.2016</a:t>
+              <a:t>04.03.2016</a:t>
             </a:fld>
             <a:endParaRPr lang="de-DE"/>
           </a:p>
@@ -2196,7 +2196,7 @@
           <a:p>
             <a:fld id="{9AE0B9D9-3596-4B24-B3CA-03CDA3BD7579}" type="datetimeFigureOut">
               <a:rPr lang="de-DE" smtClean="0"/>
-              <a:t>08.02.2016</a:t>
+              <a:t>04.03.2016</a:t>
             </a:fld>
             <a:endParaRPr lang="de-DE"/>
           </a:p>
@@ -2449,7 +2449,7 @@
           <a:p>
             <a:fld id="{9AE0B9D9-3596-4B24-B3CA-03CDA3BD7579}" type="datetimeFigureOut">
               <a:rPr lang="de-DE" smtClean="0"/>
-              <a:t>08.02.2016</a:t>
+              <a:t>04.03.2016</a:t>
             </a:fld>
             <a:endParaRPr lang="de-DE"/>
           </a:p>
@@ -2667,7 +2667,7 @@
           <a:p>
             <a:fld id="{9AE0B9D9-3596-4B24-B3CA-03CDA3BD7579}" type="datetimeFigureOut">
               <a:rPr lang="de-DE" smtClean="0"/>
-              <a:t>08.02.2016</a:t>
+              <a:t>04.03.2016</a:t>
             </a:fld>
             <a:endParaRPr lang="de-DE"/>
           </a:p>
@@ -5750,14 +5750,14 @@
       </p:sp>
       <p:sp>
         <p:nvSpPr>
-          <p:cNvPr id="8" name="Rechteck 7"/>
+          <p:cNvPr id="21" name="Rechteck 20"/>
           <p:cNvSpPr/>
           <p:nvPr/>
         </p:nvSpPr>
         <p:spPr>
           <a:xfrm>
-            <a:off x="1455387" y="3830333"/>
-            <a:ext cx="3776354" cy="570015"/>
+            <a:off x="1455387" y="2609446"/>
+            <a:ext cx="2291556" cy="343843"/>
           </a:xfrm>
           <a:prstGeom prst="rect">
             <a:avLst/>
@@ -5788,197 +5788,7 @@
       </p:sp>
       <p:sp>
         <p:nvSpPr>
-          <p:cNvPr id="9" name="Rechteck 8"/>
-          <p:cNvSpPr/>
-          <p:nvPr/>
-        </p:nvSpPr>
-        <p:spPr>
-          <a:xfrm>
-            <a:off x="1455387" y="2609446"/>
-            <a:ext cx="3776354" cy="570015"/>
-          </a:xfrm>
-          <a:prstGeom prst="rect">
-            <a:avLst/>
-          </a:prstGeom>
-        </p:spPr>
-        <p:style>
-          <a:lnRef idx="2">
-            <a:schemeClr val="dk1"/>
-          </a:lnRef>
-          <a:fillRef idx="1">
-            <a:schemeClr val="lt1"/>
-          </a:fillRef>
-          <a:effectRef idx="0">
-            <a:schemeClr val="dk1"/>
-          </a:effectRef>
-          <a:fontRef idx="minor">
-            <a:schemeClr val="dk1"/>
-          </a:fontRef>
-        </p:style>
-        <p:txBody>
-          <a:bodyPr rtlCol="0" anchor="ctr"/>
-          <a:lstStyle/>
-          <a:p>
-            <a:pPr algn="ctr"/>
-            <a:endParaRPr lang="de-DE"/>
-          </a:p>
-        </p:txBody>
-      </p:sp>
-      <p:sp>
-        <p:nvSpPr>
-          <p:cNvPr id="10" name="Rechteck 9"/>
-          <p:cNvSpPr/>
-          <p:nvPr/>
-        </p:nvSpPr>
-        <p:spPr>
-          <a:xfrm>
-            <a:off x="1455387" y="5046560"/>
-            <a:ext cx="3776354" cy="570015"/>
-          </a:xfrm>
-          <a:prstGeom prst="rect">
-            <a:avLst/>
-          </a:prstGeom>
-        </p:spPr>
-        <p:style>
-          <a:lnRef idx="2">
-            <a:schemeClr val="dk1"/>
-          </a:lnRef>
-          <a:fillRef idx="1">
-            <a:schemeClr val="lt1"/>
-          </a:fillRef>
-          <a:effectRef idx="0">
-            <a:schemeClr val="dk1"/>
-          </a:effectRef>
-          <a:fontRef idx="minor">
-            <a:schemeClr val="dk1"/>
-          </a:fontRef>
-        </p:style>
-        <p:txBody>
-          <a:bodyPr rtlCol="0" anchor="ctr"/>
-          <a:lstStyle/>
-          <a:p>
-            <a:pPr algn="ctr"/>
-            <a:endParaRPr lang="de-DE"/>
-          </a:p>
-        </p:txBody>
-      </p:sp>
-      <p:sp>
-        <p:nvSpPr>
-          <p:cNvPr id="11" name="Rechteck 10"/>
-          <p:cNvSpPr/>
-          <p:nvPr/>
-        </p:nvSpPr>
-        <p:spPr>
-          <a:xfrm>
-            <a:off x="6935190" y="2614105"/>
-            <a:ext cx="3776354" cy="570015"/>
-          </a:xfrm>
-          <a:prstGeom prst="rect">
-            <a:avLst/>
-          </a:prstGeom>
-        </p:spPr>
-        <p:style>
-          <a:lnRef idx="2">
-            <a:schemeClr val="dk1"/>
-          </a:lnRef>
-          <a:fillRef idx="1">
-            <a:schemeClr val="lt1"/>
-          </a:fillRef>
-          <a:effectRef idx="0">
-            <a:schemeClr val="dk1"/>
-          </a:effectRef>
-          <a:fontRef idx="minor">
-            <a:schemeClr val="dk1"/>
-          </a:fontRef>
-        </p:style>
-        <p:txBody>
-          <a:bodyPr rtlCol="0" anchor="ctr"/>
-          <a:lstStyle/>
-          <a:p>
-            <a:pPr algn="ctr"/>
-            <a:endParaRPr lang="de-DE"/>
-          </a:p>
-        </p:txBody>
-      </p:sp>
-      <p:sp>
-        <p:nvSpPr>
-          <p:cNvPr id="12" name="Rechteck 11"/>
-          <p:cNvSpPr/>
-          <p:nvPr/>
-        </p:nvSpPr>
-        <p:spPr>
-          <a:xfrm>
-            <a:off x="6935190" y="5046561"/>
-            <a:ext cx="3776354" cy="570015"/>
-          </a:xfrm>
-          <a:prstGeom prst="rect">
-            <a:avLst/>
-          </a:prstGeom>
-        </p:spPr>
-        <p:style>
-          <a:lnRef idx="2">
-            <a:schemeClr val="dk1"/>
-          </a:lnRef>
-          <a:fillRef idx="1">
-            <a:schemeClr val="lt1"/>
-          </a:fillRef>
-          <a:effectRef idx="0">
-            <a:schemeClr val="dk1"/>
-          </a:effectRef>
-          <a:fontRef idx="minor">
-            <a:schemeClr val="dk1"/>
-          </a:fontRef>
-        </p:style>
-        <p:txBody>
-          <a:bodyPr rtlCol="0" anchor="ctr"/>
-          <a:lstStyle/>
-          <a:p>
-            <a:pPr algn="ctr"/>
-            <a:endParaRPr lang="de-DE"/>
-          </a:p>
-        </p:txBody>
-      </p:sp>
-      <p:sp>
-        <p:nvSpPr>
-          <p:cNvPr id="13" name="Rechteck 12"/>
-          <p:cNvSpPr/>
-          <p:nvPr/>
-        </p:nvSpPr>
-        <p:spPr>
-          <a:xfrm>
-            <a:off x="6935190" y="3830333"/>
-            <a:ext cx="3776354" cy="570015"/>
-          </a:xfrm>
-          <a:prstGeom prst="rect">
-            <a:avLst/>
-          </a:prstGeom>
-        </p:spPr>
-        <p:style>
-          <a:lnRef idx="2">
-            <a:schemeClr val="dk1"/>
-          </a:lnRef>
-          <a:fillRef idx="1">
-            <a:schemeClr val="lt1"/>
-          </a:fillRef>
-          <a:effectRef idx="0">
-            <a:schemeClr val="dk1"/>
-          </a:effectRef>
-          <a:fontRef idx="minor">
-            <a:schemeClr val="dk1"/>
-          </a:fontRef>
-        </p:style>
-        <p:txBody>
-          <a:bodyPr rtlCol="0" anchor="ctr"/>
-          <a:lstStyle/>
-          <a:p>
-            <a:pPr algn="ctr"/>
-            <a:endParaRPr lang="de-DE"/>
-          </a:p>
-        </p:txBody>
-      </p:sp>
-      <p:sp>
-        <p:nvSpPr>
-          <p:cNvPr id="14" name="Textfeld 13"/>
+          <p:cNvPr id="24" name="Textfeld 23"/>
           <p:cNvSpPr txBox="1"/>
           <p:nvPr/>
         </p:nvSpPr>
@@ -6008,13 +5818,13 @@
       </p:sp>
       <p:sp>
         <p:nvSpPr>
-          <p:cNvPr id="15" name="Textfeld 14"/>
+          <p:cNvPr id="25" name="Textfeld 24"/>
           <p:cNvSpPr txBox="1"/>
           <p:nvPr/>
         </p:nvSpPr>
         <p:spPr>
           <a:xfrm>
-            <a:off x="2978784" y="2192655"/>
+            <a:off x="2236385" y="2192654"/>
             <a:ext cx="729559" cy="461665"/>
           </a:xfrm>
           <a:prstGeom prst="rect">
@@ -6038,13 +5848,13 @@
       </p:sp>
       <p:sp>
         <p:nvSpPr>
-          <p:cNvPr id="16" name="Rechteck 15"/>
+          <p:cNvPr id="26" name="Rechteck 25"/>
           <p:cNvSpPr/>
           <p:nvPr/>
         </p:nvSpPr>
         <p:spPr>
           <a:xfrm>
-            <a:off x="2978784" y="3411585"/>
+            <a:off x="2236386" y="2951167"/>
             <a:ext cx="768159" cy="461665"/>
           </a:xfrm>
           <a:prstGeom prst="rect">
@@ -6067,13 +5877,13 @@
       </p:sp>
       <p:sp>
         <p:nvSpPr>
-          <p:cNvPr id="17" name="Rechteck 16"/>
+          <p:cNvPr id="27" name="Rechteck 26"/>
           <p:cNvSpPr/>
           <p:nvPr/>
         </p:nvSpPr>
         <p:spPr>
           <a:xfrm>
-            <a:off x="2852306" y="4618870"/>
+            <a:off x="2109910" y="5130162"/>
             <a:ext cx="1021113" cy="461665"/>
           </a:xfrm>
           <a:prstGeom prst="rect">
@@ -6096,13 +5906,13 @@
       </p:sp>
       <p:sp>
         <p:nvSpPr>
-          <p:cNvPr id="18" name="Rechteck 17"/>
+          <p:cNvPr id="28" name="Rechteck 27"/>
           <p:cNvSpPr/>
           <p:nvPr/>
         </p:nvSpPr>
         <p:spPr>
           <a:xfrm>
-            <a:off x="8123782" y="2192654"/>
+            <a:off x="9494973" y="2199641"/>
             <a:ext cx="1469441" cy="461665"/>
           </a:xfrm>
           <a:prstGeom prst="rect">
@@ -6125,14 +5935,14 @@
       </p:sp>
       <p:sp>
         <p:nvSpPr>
-          <p:cNvPr id="19" name="Rechteck 18"/>
+          <p:cNvPr id="29" name="Rechteck 28"/>
           <p:cNvSpPr/>
           <p:nvPr/>
         </p:nvSpPr>
         <p:spPr>
           <a:xfrm>
-            <a:off x="8050781" y="3429759"/>
-            <a:ext cx="1615442" cy="461665"/>
+            <a:off x="7378717" y="5139082"/>
+            <a:ext cx="4099905" cy="461665"/>
           </a:xfrm>
           <a:prstGeom prst="rect">
             <a:avLst/>
@@ -6146,7 +5956,7 @@
           <a:p>
             <a:r>
               <a:rPr lang="de-DE" sz="2400" dirty="0" smtClean="0"/>
-              <a:t>Bemerkung</a:t>
+              <a:t>Vorbestellung / Nachbestellung</a:t>
             </a:r>
             <a:endParaRPr lang="de-DE" sz="2400" dirty="0"/>
           </a:p>
@@ -6154,36 +5964,7 @@
       </p:sp>
       <p:sp>
         <p:nvSpPr>
-          <p:cNvPr id="20" name="Rechteck 19"/>
-          <p:cNvSpPr/>
-          <p:nvPr/>
-        </p:nvSpPr>
-        <p:spPr>
-          <a:xfrm>
-            <a:off x="6808549" y="4618870"/>
-            <a:ext cx="4099905" cy="461665"/>
-          </a:xfrm>
-          <a:prstGeom prst="rect">
-            <a:avLst/>
-          </a:prstGeom>
-        </p:spPr>
-        <p:txBody>
-          <a:bodyPr wrap="none">
-            <a:spAutoFit/>
-          </a:bodyPr>
-          <a:lstStyle/>
-          <a:p>
-            <a:r>
-              <a:rPr lang="de-DE" sz="2400" dirty="0" smtClean="0"/>
-              <a:t>Vorbestellung / Nachbestellung</a:t>
-            </a:r>
-            <a:endParaRPr lang="de-DE" sz="2400" dirty="0"/>
-          </a:p>
-        </p:txBody>
-      </p:sp>
-      <p:sp>
-        <p:nvSpPr>
-          <p:cNvPr id="22" name="Abgerundetes Rechteck 21">
+          <p:cNvPr id="30" name="Abgerundetes Rechteck 29">
             <a:hlinkClick r:id="rId3" action="ppaction://hlinksldjump"/>
           </p:cNvPr>
           <p:cNvSpPr/>
@@ -6191,8 +5972,8 @@
         </p:nvSpPr>
         <p:spPr>
           <a:xfrm>
-            <a:off x="7873341" y="5949538"/>
-            <a:ext cx="3776354" cy="748620"/>
+            <a:off x="8816195" y="6202392"/>
+            <a:ext cx="2833499" cy="495766"/>
           </a:xfrm>
           <a:prstGeom prst="roundRect">
             <a:avLst/>
@@ -6220,16 +6001,16 @@
           <a:p>
             <a:pPr algn="ctr"/>
             <a:r>
-              <a:rPr lang="de-DE" sz="2800" dirty="0" smtClean="0"/>
+              <a:rPr lang="de-DE" sz="2000" dirty="0" smtClean="0"/>
               <a:t>Bestellung weiterleiten</a:t>
             </a:r>
-            <a:endParaRPr lang="de-DE" sz="2800" dirty="0"/>
-          </a:p>
-        </p:txBody>
-      </p:sp>
-      <p:sp>
-        <p:nvSpPr>
-          <p:cNvPr id="23" name="Abgerundetes Rechteck 22">
+            <a:endParaRPr lang="de-DE" sz="2000" dirty="0"/>
+          </a:p>
+        </p:txBody>
+      </p:sp>
+      <p:sp>
+        <p:nvSpPr>
+          <p:cNvPr id="31" name="Abgerundetes Rechteck 30">
             <a:hlinkClick r:id="rId4" action="ppaction://hlinksldjump"/>
           </p:cNvPr>
           <p:cNvSpPr/>
@@ -6269,6 +6050,847 @@
               <a:t>Zurück zum Hauptmenü</a:t>
             </a:r>
             <a:endParaRPr lang="de-DE" dirty="0"/>
+          </a:p>
+        </p:txBody>
+      </p:sp>
+      <p:sp>
+        <p:nvSpPr>
+          <p:cNvPr id="32" name="Rechteck 31"/>
+          <p:cNvSpPr/>
+          <p:nvPr/>
+        </p:nvSpPr>
+        <p:spPr>
+          <a:xfrm>
+            <a:off x="1474688" y="3335300"/>
+            <a:ext cx="2291556" cy="343843"/>
+          </a:xfrm>
+          <a:prstGeom prst="rect">
+            <a:avLst/>
+          </a:prstGeom>
+        </p:spPr>
+        <p:style>
+          <a:lnRef idx="2">
+            <a:schemeClr val="dk1"/>
+          </a:lnRef>
+          <a:fillRef idx="1">
+            <a:schemeClr val="lt1"/>
+          </a:fillRef>
+          <a:effectRef idx="0">
+            <a:schemeClr val="dk1"/>
+          </a:effectRef>
+          <a:fontRef idx="minor">
+            <a:schemeClr val="dk1"/>
+          </a:fontRef>
+        </p:style>
+        <p:txBody>
+          <a:bodyPr rtlCol="0" anchor="ctr"/>
+          <a:lstStyle/>
+          <a:p>
+            <a:pPr algn="ctr"/>
+            <a:endParaRPr lang="de-DE"/>
+          </a:p>
+        </p:txBody>
+      </p:sp>
+      <p:sp>
+        <p:nvSpPr>
+          <p:cNvPr id="33" name="Rechteck 32"/>
+          <p:cNvSpPr/>
+          <p:nvPr/>
+        </p:nvSpPr>
+        <p:spPr>
+          <a:xfrm>
+            <a:off x="1474688" y="5582538"/>
+            <a:ext cx="2291556" cy="343843"/>
+          </a:xfrm>
+          <a:prstGeom prst="rect">
+            <a:avLst/>
+          </a:prstGeom>
+        </p:spPr>
+        <p:style>
+          <a:lnRef idx="2">
+            <a:schemeClr val="dk1"/>
+          </a:lnRef>
+          <a:fillRef idx="1">
+            <a:schemeClr val="lt1"/>
+          </a:fillRef>
+          <a:effectRef idx="0">
+            <a:schemeClr val="dk1"/>
+          </a:effectRef>
+          <a:fontRef idx="minor">
+            <a:schemeClr val="dk1"/>
+          </a:fontRef>
+        </p:style>
+        <p:txBody>
+          <a:bodyPr rtlCol="0" anchor="ctr"/>
+          <a:lstStyle/>
+          <a:p>
+            <a:pPr algn="ctr"/>
+            <a:endParaRPr lang="de-DE"/>
+          </a:p>
+        </p:txBody>
+      </p:sp>
+      <p:sp>
+        <p:nvSpPr>
+          <p:cNvPr id="34" name="Rechteck 33"/>
+          <p:cNvSpPr/>
+          <p:nvPr/>
+        </p:nvSpPr>
+        <p:spPr>
+          <a:xfrm>
+            <a:off x="9083916" y="2605271"/>
+            <a:ext cx="2291556" cy="343843"/>
+          </a:xfrm>
+          <a:prstGeom prst="rect">
+            <a:avLst/>
+          </a:prstGeom>
+        </p:spPr>
+        <p:style>
+          <a:lnRef idx="2">
+            <a:schemeClr val="dk1"/>
+          </a:lnRef>
+          <a:fillRef idx="1">
+            <a:schemeClr val="lt1"/>
+          </a:fillRef>
+          <a:effectRef idx="0">
+            <a:schemeClr val="dk1"/>
+          </a:effectRef>
+          <a:fontRef idx="minor">
+            <a:schemeClr val="dk1"/>
+          </a:fontRef>
+        </p:style>
+        <p:txBody>
+          <a:bodyPr rtlCol="0" anchor="ctr"/>
+          <a:lstStyle/>
+          <a:p>
+            <a:pPr algn="ctr"/>
+            <a:endParaRPr lang="de-DE"/>
+          </a:p>
+        </p:txBody>
+      </p:sp>
+      <p:sp>
+        <p:nvSpPr>
+          <p:cNvPr id="35" name="Rechteck 34"/>
+          <p:cNvSpPr/>
+          <p:nvPr/>
+        </p:nvSpPr>
+        <p:spPr>
+          <a:xfrm>
+            <a:off x="8282891" y="5600747"/>
+            <a:ext cx="2291556" cy="343843"/>
+          </a:xfrm>
+          <a:prstGeom prst="rect">
+            <a:avLst/>
+          </a:prstGeom>
+        </p:spPr>
+        <p:style>
+          <a:lnRef idx="2">
+            <a:schemeClr val="dk1"/>
+          </a:lnRef>
+          <a:fillRef idx="1">
+            <a:schemeClr val="lt1"/>
+          </a:fillRef>
+          <a:effectRef idx="0">
+            <a:schemeClr val="dk1"/>
+          </a:effectRef>
+          <a:fontRef idx="minor">
+            <a:schemeClr val="dk1"/>
+          </a:fontRef>
+        </p:style>
+        <p:txBody>
+          <a:bodyPr rtlCol="0" anchor="ctr"/>
+          <a:lstStyle/>
+          <a:p>
+            <a:pPr algn="ctr"/>
+            <a:endParaRPr lang="de-DE"/>
+          </a:p>
+        </p:txBody>
+      </p:sp>
+      <p:graphicFrame>
+        <p:nvGraphicFramePr>
+          <p:cNvPr id="36" name="Tabelle 35"/>
+          <p:cNvGraphicFramePr>
+            <a:graphicFrameLocks noGrp="1"/>
+          </p:cNvGraphicFramePr>
+          <p:nvPr>
+            <p:extLst>
+              <p:ext uri="{D42A27DB-BD31-4B8C-83A1-F6EECF244321}">
+                <p14:modId xmlns:p14="http://schemas.microsoft.com/office/powerpoint/2010/main" val="3652009284"/>
+              </p:ext>
+            </p:extLst>
+          </p:nvPr>
+        </p:nvGraphicFramePr>
+        <p:xfrm>
+          <a:off x="508959" y="3839104"/>
+          <a:ext cx="10506969" cy="1112520"/>
+        </p:xfrm>
+        <a:graphic>
+          <a:graphicData uri="http://schemas.openxmlformats.org/drawingml/2006/table">
+            <a:tbl>
+              <a:tblPr firstRow="1" bandRow="1">
+                <a:tableStyleId>{5C22544A-7EE6-4342-B048-85BDC9FD1C3A}</a:tableStyleId>
+              </a:tblPr>
+              <a:tblGrid>
+                <a:gridCol w="1337094"/>
+                <a:gridCol w="1664898"/>
+                <a:gridCol w="923026"/>
+                <a:gridCol w="4437498"/>
+                <a:gridCol w="2144453"/>
+              </a:tblGrid>
+              <a:tr h="370840">
+                <a:tc>
+                  <a:txBody>
+                    <a:bodyPr/>
+                    <a:lstStyle/>
+                    <a:p>
+                      <a:r>
+                        <a:rPr lang="de-DE" sz="1400" dirty="0" smtClean="0"/>
+                        <a:t>Titel</a:t>
+                      </a:r>
+                      <a:endParaRPr lang="de-DE" sz="1400" dirty="0"/>
+                    </a:p>
+                  </a:txBody>
+                  <a:tcPr/>
+                </a:tc>
+                <a:tc>
+                  <a:txBody>
+                    <a:bodyPr/>
+                    <a:lstStyle/>
+                    <a:p>
+                      <a:r>
+                        <a:rPr lang="de-DE" sz="1400" dirty="0" smtClean="0"/>
+                        <a:t>ISBN</a:t>
+                      </a:r>
+                      <a:endParaRPr lang="de-DE" sz="1400" dirty="0"/>
+                    </a:p>
+                  </a:txBody>
+                  <a:tcPr/>
+                </a:tc>
+                <a:tc>
+                  <a:txBody>
+                    <a:bodyPr/>
+                    <a:lstStyle/>
+                    <a:p>
+                      <a:r>
+                        <a:rPr lang="de-DE" sz="1400" dirty="0" err="1" smtClean="0"/>
+                        <a:t>StkPreis</a:t>
+                      </a:r>
+                      <a:endParaRPr lang="de-DE" sz="1400" dirty="0"/>
+                    </a:p>
+                  </a:txBody>
+                  <a:tcPr/>
+                </a:tc>
+                <a:tc>
+                  <a:txBody>
+                    <a:bodyPr/>
+                    <a:lstStyle/>
+                    <a:p>
+                      <a:r>
+                        <a:rPr lang="de-DE" sz="1400" dirty="0" smtClean="0"/>
+                        <a:t>Fach</a:t>
+                      </a:r>
+                      <a:endParaRPr lang="de-DE" sz="1400" dirty="0"/>
+                    </a:p>
+                  </a:txBody>
+                  <a:tcPr/>
+                </a:tc>
+                <a:tc>
+                  <a:txBody>
+                    <a:bodyPr/>
+                    <a:lstStyle/>
+                    <a:p>
+                      <a:r>
+                        <a:rPr lang="de-DE" sz="1400" dirty="0" smtClean="0"/>
+                        <a:t>Bearbeiten</a:t>
+                      </a:r>
+                      <a:endParaRPr lang="de-DE" sz="1400" dirty="0"/>
+                    </a:p>
+                  </a:txBody>
+                  <a:tcPr/>
+                </a:tc>
+              </a:tr>
+              <a:tr h="370840">
+                <a:tc>
+                  <a:txBody>
+                    <a:bodyPr/>
+                    <a:lstStyle/>
+                    <a:p>
+                      <a:r>
+                        <a:rPr lang="de-DE" sz="1400" dirty="0" smtClean="0"/>
+                        <a:t>Der PIC</a:t>
+                      </a:r>
+                      <a:endParaRPr lang="de-DE" sz="1400" dirty="0"/>
+                    </a:p>
+                  </a:txBody>
+                  <a:tcPr/>
+                </a:tc>
+                <a:tc>
+                  <a:txBody>
+                    <a:bodyPr/>
+                    <a:lstStyle/>
+                    <a:p>
+                      <a:r>
+                        <a:rPr lang="de-DE" sz="1400" dirty="0" smtClean="0"/>
+                        <a:t>124-54-8421-5</a:t>
+                      </a:r>
+                      <a:endParaRPr lang="de-DE" sz="1400" dirty="0"/>
+                    </a:p>
+                  </a:txBody>
+                  <a:tcPr/>
+                </a:tc>
+                <a:tc>
+                  <a:txBody>
+                    <a:bodyPr/>
+                    <a:lstStyle/>
+                    <a:p>
+                      <a:r>
+                        <a:rPr lang="de-DE" sz="1400" dirty="0" smtClean="0"/>
+                        <a:t>16,99 €</a:t>
+                      </a:r>
+                      <a:endParaRPr lang="de-DE" sz="1400" dirty="0"/>
+                    </a:p>
+                  </a:txBody>
+                  <a:tcPr/>
+                </a:tc>
+                <a:tc>
+                  <a:txBody>
+                    <a:bodyPr/>
+                    <a:lstStyle/>
+                    <a:p>
+                      <a:endParaRPr lang="de-DE" sz="1400" dirty="0"/>
+                    </a:p>
+                  </a:txBody>
+                  <a:tcPr/>
+                </a:tc>
+                <a:tc>
+                  <a:txBody>
+                    <a:bodyPr/>
+                    <a:lstStyle/>
+                    <a:p>
+                      <a:r>
+                        <a:rPr lang="de-DE" sz="1400" dirty="0" smtClean="0"/>
+                        <a:t>Ändern / Löschen</a:t>
+                      </a:r>
+                      <a:endParaRPr lang="de-DE" sz="1400" dirty="0"/>
+                    </a:p>
+                  </a:txBody>
+                  <a:tcPr/>
+                </a:tc>
+              </a:tr>
+              <a:tr h="370840">
+                <a:tc>
+                  <a:txBody>
+                    <a:bodyPr/>
+                    <a:lstStyle/>
+                    <a:p>
+                      <a:r>
+                        <a:rPr lang="de-DE" sz="1400" dirty="0" smtClean="0"/>
+                        <a:t>Das</a:t>
+                      </a:r>
+                      <a:r>
+                        <a:rPr lang="de-DE" sz="1400" baseline="0" dirty="0" smtClean="0"/>
+                        <a:t> Netzteil</a:t>
+                      </a:r>
+                      <a:endParaRPr lang="de-DE" sz="1400" dirty="0"/>
+                    </a:p>
+                  </a:txBody>
+                  <a:tcPr/>
+                </a:tc>
+                <a:tc>
+                  <a:txBody>
+                    <a:bodyPr/>
+                    <a:lstStyle/>
+                    <a:p>
+                      <a:r>
+                        <a:rPr lang="de-DE" sz="1400" dirty="0" smtClean="0"/>
+                        <a:t>158-21-8426-1</a:t>
+                      </a:r>
+                      <a:endParaRPr lang="de-DE" sz="1400" dirty="0"/>
+                    </a:p>
+                  </a:txBody>
+                  <a:tcPr/>
+                </a:tc>
+                <a:tc>
+                  <a:txBody>
+                    <a:bodyPr/>
+                    <a:lstStyle/>
+                    <a:p>
+                      <a:r>
+                        <a:rPr lang="de-DE" sz="1400" dirty="0" smtClean="0"/>
+                        <a:t>18,89 €</a:t>
+                      </a:r>
+                      <a:endParaRPr lang="de-DE" sz="1400" dirty="0"/>
+                    </a:p>
+                  </a:txBody>
+                  <a:tcPr/>
+                </a:tc>
+                <a:tc>
+                  <a:txBody>
+                    <a:bodyPr/>
+                    <a:lstStyle/>
+                    <a:p>
+                      <a:endParaRPr lang="de-DE" sz="1400" dirty="0"/>
+                    </a:p>
+                  </a:txBody>
+                  <a:tcPr/>
+                </a:tc>
+                <a:tc>
+                  <a:txBody>
+                    <a:bodyPr/>
+                    <a:lstStyle/>
+                    <a:p>
+                      <a:pPr marL="0" marR="0" indent="0" algn="l" defTabSz="914400" rtl="0" eaLnBrk="1" fontAlgn="auto" latinLnBrk="0" hangingPunct="1">
+                        <a:lnSpc>
+                          <a:spcPct val="100000"/>
+                        </a:lnSpc>
+                        <a:spcBef>
+                          <a:spcPts val="0"/>
+                        </a:spcBef>
+                        <a:spcAft>
+                          <a:spcPts val="0"/>
+                        </a:spcAft>
+                        <a:buClrTx/>
+                        <a:buSzTx/>
+                        <a:buFontTx/>
+                        <a:buNone/>
+                        <a:tabLst/>
+                        <a:defRPr/>
+                      </a:pPr>
+                      <a:r>
+                        <a:rPr lang="de-DE" sz="1400" dirty="0" smtClean="0"/>
+                        <a:t>Ändern / Löschen</a:t>
+                      </a:r>
+                    </a:p>
+                  </a:txBody>
+                  <a:tcPr/>
+                </a:tc>
+              </a:tr>
+            </a:tbl>
+          </a:graphicData>
+        </a:graphic>
+      </p:graphicFrame>
+      <p:sp>
+        <p:nvSpPr>
+          <p:cNvPr id="37" name="Rechteck 36"/>
+          <p:cNvSpPr/>
+          <p:nvPr/>
+        </p:nvSpPr>
+        <p:spPr>
+          <a:xfrm>
+            <a:off x="11015929" y="3839104"/>
+            <a:ext cx="345059" cy="1112520"/>
+          </a:xfrm>
+          <a:prstGeom prst="rect">
+            <a:avLst/>
+          </a:prstGeom>
+        </p:spPr>
+        <p:style>
+          <a:lnRef idx="2">
+            <a:schemeClr val="dk1"/>
+          </a:lnRef>
+          <a:fillRef idx="1">
+            <a:schemeClr val="lt1"/>
+          </a:fillRef>
+          <a:effectRef idx="0">
+            <a:schemeClr val="dk1"/>
+          </a:effectRef>
+          <a:fontRef idx="minor">
+            <a:schemeClr val="dk1"/>
+          </a:fontRef>
+        </p:style>
+        <p:txBody>
+          <a:bodyPr rtlCol="0" anchor="ctr"/>
+          <a:lstStyle/>
+          <a:p>
+            <a:pPr algn="ctr"/>
+            <a:endParaRPr lang="de-DE"/>
+          </a:p>
+        </p:txBody>
+      </p:sp>
+      <p:sp>
+        <p:nvSpPr>
+          <p:cNvPr id="38" name="Rechteck 37"/>
+          <p:cNvSpPr/>
+          <p:nvPr/>
+        </p:nvSpPr>
+        <p:spPr>
+          <a:xfrm>
+            <a:off x="11015929" y="3839104"/>
+            <a:ext cx="345059" cy="301575"/>
+          </a:xfrm>
+          <a:prstGeom prst="rect">
+            <a:avLst/>
+          </a:prstGeom>
+        </p:spPr>
+        <p:style>
+          <a:lnRef idx="2">
+            <a:schemeClr val="dk1"/>
+          </a:lnRef>
+          <a:fillRef idx="1">
+            <a:schemeClr val="lt1"/>
+          </a:fillRef>
+          <a:effectRef idx="0">
+            <a:schemeClr val="dk1"/>
+          </a:effectRef>
+          <a:fontRef idx="minor">
+            <a:schemeClr val="dk1"/>
+          </a:fontRef>
+        </p:style>
+        <p:txBody>
+          <a:bodyPr rtlCol="0" anchor="ctr"/>
+          <a:lstStyle/>
+          <a:p>
+            <a:pPr algn="ctr"/>
+            <a:endParaRPr lang="de-DE"/>
+          </a:p>
+        </p:txBody>
+      </p:sp>
+      <p:sp>
+        <p:nvSpPr>
+          <p:cNvPr id="39" name="Rechteck 38"/>
+          <p:cNvSpPr/>
+          <p:nvPr/>
+        </p:nvSpPr>
+        <p:spPr>
+          <a:xfrm>
+            <a:off x="11015928" y="4655103"/>
+            <a:ext cx="345059" cy="301575"/>
+          </a:xfrm>
+          <a:prstGeom prst="rect">
+            <a:avLst/>
+          </a:prstGeom>
+        </p:spPr>
+        <p:style>
+          <a:lnRef idx="2">
+            <a:schemeClr val="dk1"/>
+          </a:lnRef>
+          <a:fillRef idx="1">
+            <a:schemeClr val="lt1"/>
+          </a:fillRef>
+          <a:effectRef idx="0">
+            <a:schemeClr val="dk1"/>
+          </a:effectRef>
+          <a:fontRef idx="minor">
+            <a:schemeClr val="dk1"/>
+          </a:fontRef>
+        </p:style>
+        <p:txBody>
+          <a:bodyPr rtlCol="0" anchor="ctr"/>
+          <a:lstStyle/>
+          <a:p>
+            <a:pPr algn="ctr"/>
+            <a:endParaRPr lang="de-DE"/>
+          </a:p>
+        </p:txBody>
+      </p:sp>
+      <p:sp>
+        <p:nvSpPr>
+          <p:cNvPr id="40" name="Rechteck 39"/>
+          <p:cNvSpPr/>
+          <p:nvPr/>
+        </p:nvSpPr>
+        <p:spPr>
+          <a:xfrm>
+            <a:off x="11015928" y="4389047"/>
+            <a:ext cx="345059" cy="176164"/>
+          </a:xfrm>
+          <a:prstGeom prst="rect">
+            <a:avLst/>
+          </a:prstGeom>
+          <a:solidFill>
+            <a:schemeClr val="bg2">
+              <a:lumMod val="75000"/>
+            </a:schemeClr>
+          </a:solidFill>
+        </p:spPr>
+        <p:style>
+          <a:lnRef idx="2">
+            <a:schemeClr val="dk1"/>
+          </a:lnRef>
+          <a:fillRef idx="1">
+            <a:schemeClr val="lt1"/>
+          </a:fillRef>
+          <a:effectRef idx="0">
+            <a:schemeClr val="dk1"/>
+          </a:effectRef>
+          <a:fontRef idx="minor">
+            <a:schemeClr val="dk1"/>
+          </a:fontRef>
+        </p:style>
+        <p:txBody>
+          <a:bodyPr rtlCol="0" anchor="ctr"/>
+          <a:lstStyle/>
+          <a:p>
+            <a:pPr algn="ctr"/>
+            <a:endParaRPr lang="de-DE"/>
+          </a:p>
+        </p:txBody>
+      </p:sp>
+      <p:sp>
+        <p:nvSpPr>
+          <p:cNvPr id="41" name="Gleichschenkliges Dreieck 40"/>
+          <p:cNvSpPr/>
+          <p:nvPr/>
+        </p:nvSpPr>
+        <p:spPr>
+          <a:xfrm>
+            <a:off x="11055183" y="3925193"/>
+            <a:ext cx="242725" cy="129396"/>
+          </a:xfrm>
+          <a:prstGeom prst="triangle">
+            <a:avLst/>
+          </a:prstGeom>
+        </p:spPr>
+        <p:style>
+          <a:lnRef idx="2">
+            <a:schemeClr val="dk1">
+              <a:shade val="50000"/>
+            </a:schemeClr>
+          </a:lnRef>
+          <a:fillRef idx="1">
+            <a:schemeClr val="dk1"/>
+          </a:fillRef>
+          <a:effectRef idx="0">
+            <a:schemeClr val="dk1"/>
+          </a:effectRef>
+          <a:fontRef idx="minor">
+            <a:schemeClr val="lt1"/>
+          </a:fontRef>
+        </p:style>
+        <p:txBody>
+          <a:bodyPr rtlCol="0" anchor="ctr"/>
+          <a:lstStyle/>
+          <a:p>
+            <a:pPr algn="ctr"/>
+            <a:endParaRPr lang="de-DE"/>
+          </a:p>
+        </p:txBody>
+      </p:sp>
+      <p:sp>
+        <p:nvSpPr>
+          <p:cNvPr id="42" name="Gleichschenkliges Dreieck 41"/>
+          <p:cNvSpPr/>
+          <p:nvPr/>
+        </p:nvSpPr>
+        <p:spPr>
+          <a:xfrm rot="10800000">
+            <a:off x="11063808" y="4746248"/>
+            <a:ext cx="242725" cy="129396"/>
+          </a:xfrm>
+          <a:prstGeom prst="triangle">
+            <a:avLst/>
+          </a:prstGeom>
+        </p:spPr>
+        <p:style>
+          <a:lnRef idx="2">
+            <a:schemeClr val="dk1">
+              <a:shade val="50000"/>
+            </a:schemeClr>
+          </a:lnRef>
+          <a:fillRef idx="1">
+            <a:schemeClr val="dk1"/>
+          </a:fillRef>
+          <a:effectRef idx="0">
+            <a:schemeClr val="dk1"/>
+          </a:effectRef>
+          <a:fontRef idx="minor">
+            <a:schemeClr val="lt1"/>
+          </a:fontRef>
+        </p:style>
+        <p:txBody>
+          <a:bodyPr rtlCol="0" anchor="ctr"/>
+          <a:lstStyle/>
+          <a:p>
+            <a:pPr algn="ctr"/>
+            <a:endParaRPr lang="de-DE"/>
+          </a:p>
+        </p:txBody>
+      </p:sp>
+      <p:sp>
+        <p:nvSpPr>
+          <p:cNvPr id="43" name="Abgerundetes Rechteck 42">
+            <a:hlinkClick r:id="rId3" action="ppaction://hlinksldjump"/>
+          </p:cNvPr>
+          <p:cNvSpPr/>
+          <p:nvPr/>
+        </p:nvSpPr>
+        <p:spPr>
+          <a:xfrm>
+            <a:off x="8816194" y="3163458"/>
+            <a:ext cx="2833499" cy="495766"/>
+          </a:xfrm>
+          <a:prstGeom prst="roundRect">
+            <a:avLst/>
+          </a:prstGeom>
+        </p:spPr>
+        <p:style>
+          <a:lnRef idx="2">
+            <a:schemeClr val="accent1">
+              <a:shade val="50000"/>
+            </a:schemeClr>
+          </a:lnRef>
+          <a:fillRef idx="1">
+            <a:schemeClr val="accent1"/>
+          </a:fillRef>
+          <a:effectRef idx="0">
+            <a:schemeClr val="accent1"/>
+          </a:effectRef>
+          <a:fontRef idx="minor">
+            <a:schemeClr val="lt1"/>
+          </a:fontRef>
+        </p:style>
+        <p:txBody>
+          <a:bodyPr rtlCol="0" anchor="ctr"/>
+          <a:lstStyle/>
+          <a:p>
+            <a:pPr algn="ctr"/>
+            <a:r>
+              <a:rPr lang="de-DE" sz="2000" dirty="0" smtClean="0"/>
+              <a:t>Neues Buch anlegen</a:t>
+            </a:r>
+            <a:endParaRPr lang="de-DE" sz="2000" dirty="0"/>
+          </a:p>
+        </p:txBody>
+      </p:sp>
+      <p:sp>
+        <p:nvSpPr>
+          <p:cNvPr id="44" name="Rechteck 43"/>
+          <p:cNvSpPr/>
+          <p:nvPr/>
+        </p:nvSpPr>
+        <p:spPr>
+          <a:xfrm>
+            <a:off x="5500430" y="2199641"/>
+            <a:ext cx="756682" cy="461665"/>
+          </a:xfrm>
+          <a:prstGeom prst="rect">
+            <a:avLst/>
+          </a:prstGeom>
+        </p:spPr>
+        <p:txBody>
+          <a:bodyPr wrap="none">
+            <a:spAutoFit/>
+          </a:bodyPr>
+          <a:lstStyle/>
+          <a:p>
+            <a:r>
+              <a:rPr lang="de-DE" sz="2400" dirty="0" smtClean="0"/>
+              <a:t>Fach</a:t>
+            </a:r>
+            <a:endParaRPr lang="de-DE" sz="2400" dirty="0"/>
+          </a:p>
+        </p:txBody>
+      </p:sp>
+      <p:sp>
+        <p:nvSpPr>
+          <p:cNvPr id="45" name="Rechteck 44"/>
+          <p:cNvSpPr/>
+          <p:nvPr/>
+        </p:nvSpPr>
+        <p:spPr>
+          <a:xfrm>
+            <a:off x="4732993" y="2609446"/>
+            <a:ext cx="2291556" cy="343843"/>
+          </a:xfrm>
+          <a:prstGeom prst="rect">
+            <a:avLst/>
+          </a:prstGeom>
+        </p:spPr>
+        <p:style>
+          <a:lnRef idx="2">
+            <a:schemeClr val="dk1"/>
+          </a:lnRef>
+          <a:fillRef idx="1">
+            <a:schemeClr val="lt1"/>
+          </a:fillRef>
+          <a:effectRef idx="0">
+            <a:schemeClr val="dk1"/>
+          </a:effectRef>
+          <a:fontRef idx="minor">
+            <a:schemeClr val="dk1"/>
+          </a:fontRef>
+        </p:style>
+        <p:txBody>
+          <a:bodyPr rtlCol="0" anchor="ctr"/>
+          <a:lstStyle/>
+          <a:p>
+            <a:pPr algn="ctr"/>
+            <a:endParaRPr lang="de-DE"/>
+          </a:p>
+        </p:txBody>
+      </p:sp>
+      <p:sp>
+        <p:nvSpPr>
+          <p:cNvPr id="46" name="Rechteck 45"/>
+          <p:cNvSpPr/>
+          <p:nvPr/>
+        </p:nvSpPr>
+        <p:spPr>
+          <a:xfrm>
+            <a:off x="1556319" y="4310057"/>
+            <a:ext cx="146649" cy="147769"/>
+          </a:xfrm>
+          <a:prstGeom prst="rect">
+            <a:avLst/>
+          </a:prstGeom>
+        </p:spPr>
+        <p:style>
+          <a:lnRef idx="2">
+            <a:schemeClr val="dk1"/>
+          </a:lnRef>
+          <a:fillRef idx="1">
+            <a:schemeClr val="lt1"/>
+          </a:fillRef>
+          <a:effectRef idx="0">
+            <a:schemeClr val="dk1"/>
+          </a:effectRef>
+          <a:fontRef idx="minor">
+            <a:schemeClr val="dk1"/>
+          </a:fontRef>
+        </p:style>
+        <p:txBody>
+          <a:bodyPr rtlCol="0" anchor="ctr"/>
+          <a:lstStyle/>
+          <a:p>
+            <a:pPr algn="ctr"/>
+            <a:endParaRPr lang="de-DE"/>
+          </a:p>
+        </p:txBody>
+      </p:sp>
+      <p:sp>
+        <p:nvSpPr>
+          <p:cNvPr id="47" name="Rechteck 46"/>
+          <p:cNvSpPr/>
+          <p:nvPr/>
+        </p:nvSpPr>
+        <p:spPr>
+          <a:xfrm>
+            <a:off x="1556319" y="4672363"/>
+            <a:ext cx="146649" cy="147769"/>
+          </a:xfrm>
+          <a:prstGeom prst="rect">
+            <a:avLst/>
+          </a:prstGeom>
+        </p:spPr>
+        <p:style>
+          <a:lnRef idx="2">
+            <a:schemeClr val="dk1"/>
+          </a:lnRef>
+          <a:fillRef idx="1">
+            <a:schemeClr val="lt1"/>
+          </a:fillRef>
+          <a:effectRef idx="0">
+            <a:schemeClr val="dk1"/>
+          </a:effectRef>
+          <a:fontRef idx="minor">
+            <a:schemeClr val="dk1"/>
+          </a:fontRef>
+        </p:style>
+        <p:txBody>
+          <a:bodyPr rtlCol="0" anchor="ctr"/>
+          <a:lstStyle/>
+          <a:p>
+            <a:pPr algn="ctr"/>
+            <a:endParaRPr lang="de-DE"/>
           </a:p>
         </p:txBody>
       </p:sp>
@@ -6557,14 +7179,44 @@
       </p:sp>
       <p:sp>
         <p:nvSpPr>
-          <p:cNvPr id="9" name="Rechteck 8"/>
+          <p:cNvPr id="15" name="Textfeld 14"/>
+          <p:cNvSpPr txBox="1"/>
+          <p:nvPr/>
+        </p:nvSpPr>
+        <p:spPr>
+          <a:xfrm>
+            <a:off x="4391330" y="1772552"/>
+            <a:ext cx="3581365" cy="461665"/>
+          </a:xfrm>
+          <a:prstGeom prst="rect">
+            <a:avLst/>
+          </a:prstGeom>
+          <a:noFill/>
+        </p:spPr>
+        <p:txBody>
+          <a:bodyPr wrap="none" rtlCol="0">
+            <a:spAutoFit/>
+          </a:bodyPr>
+          <a:lstStyle/>
+          <a:p>
+            <a:r>
+              <a:rPr lang="de-DE" sz="2400" dirty="0" smtClean="0"/>
+              <a:t>Neue Bestellung Lehrmittel</a:t>
+            </a:r>
+            <a:endParaRPr lang="de-DE" sz="2400" dirty="0"/>
+          </a:p>
+        </p:txBody>
+      </p:sp>
+      <p:sp>
+        <p:nvSpPr>
+          <p:cNvPr id="23" name="Rechteck 22"/>
           <p:cNvSpPr/>
           <p:nvPr/>
         </p:nvSpPr>
         <p:spPr>
           <a:xfrm>
-            <a:off x="1455387" y="3830333"/>
-            <a:ext cx="3776354" cy="570015"/>
+            <a:off x="1455387" y="2609446"/>
+            <a:ext cx="2291556" cy="343843"/>
           </a:xfrm>
           <a:prstGeom prst="rect">
             <a:avLst/>
@@ -6595,204 +7247,14 @@
       </p:sp>
       <p:sp>
         <p:nvSpPr>
-          <p:cNvPr id="10" name="Rechteck 9"/>
-          <p:cNvSpPr/>
-          <p:nvPr/>
-        </p:nvSpPr>
-        <p:spPr>
-          <a:xfrm>
-            <a:off x="1455387" y="2609446"/>
-            <a:ext cx="3776354" cy="570015"/>
-          </a:xfrm>
-          <a:prstGeom prst="rect">
-            <a:avLst/>
-          </a:prstGeom>
-        </p:spPr>
-        <p:style>
-          <a:lnRef idx="2">
-            <a:schemeClr val="dk1"/>
-          </a:lnRef>
-          <a:fillRef idx="1">
-            <a:schemeClr val="lt1"/>
-          </a:fillRef>
-          <a:effectRef idx="0">
-            <a:schemeClr val="dk1"/>
-          </a:effectRef>
-          <a:fontRef idx="minor">
-            <a:schemeClr val="dk1"/>
-          </a:fontRef>
-        </p:style>
-        <p:txBody>
-          <a:bodyPr rtlCol="0" anchor="ctr"/>
-          <a:lstStyle/>
-          <a:p>
-            <a:pPr algn="ctr"/>
-            <a:endParaRPr lang="de-DE"/>
-          </a:p>
-        </p:txBody>
-      </p:sp>
-      <p:sp>
-        <p:nvSpPr>
-          <p:cNvPr id="11" name="Rechteck 10"/>
-          <p:cNvSpPr/>
-          <p:nvPr/>
-        </p:nvSpPr>
-        <p:spPr>
-          <a:xfrm>
-            <a:off x="1455387" y="5046560"/>
-            <a:ext cx="3776354" cy="570015"/>
-          </a:xfrm>
-          <a:prstGeom prst="rect">
-            <a:avLst/>
-          </a:prstGeom>
-        </p:spPr>
-        <p:style>
-          <a:lnRef idx="2">
-            <a:schemeClr val="dk1"/>
-          </a:lnRef>
-          <a:fillRef idx="1">
-            <a:schemeClr val="lt1"/>
-          </a:fillRef>
-          <a:effectRef idx="0">
-            <a:schemeClr val="dk1"/>
-          </a:effectRef>
-          <a:fontRef idx="minor">
-            <a:schemeClr val="dk1"/>
-          </a:fontRef>
-        </p:style>
-        <p:txBody>
-          <a:bodyPr rtlCol="0" anchor="ctr"/>
-          <a:lstStyle/>
-          <a:p>
-            <a:pPr algn="ctr"/>
-            <a:endParaRPr lang="de-DE"/>
-          </a:p>
-        </p:txBody>
-      </p:sp>
-      <p:sp>
-        <p:nvSpPr>
-          <p:cNvPr id="12" name="Rechteck 11"/>
-          <p:cNvSpPr/>
-          <p:nvPr/>
-        </p:nvSpPr>
-        <p:spPr>
-          <a:xfrm>
-            <a:off x="6935190" y="2614105"/>
-            <a:ext cx="3776354" cy="570015"/>
-          </a:xfrm>
-          <a:prstGeom prst="rect">
-            <a:avLst/>
-          </a:prstGeom>
-        </p:spPr>
-        <p:style>
-          <a:lnRef idx="2">
-            <a:schemeClr val="dk1"/>
-          </a:lnRef>
-          <a:fillRef idx="1">
-            <a:schemeClr val="lt1"/>
-          </a:fillRef>
-          <a:effectRef idx="0">
-            <a:schemeClr val="dk1"/>
-          </a:effectRef>
-          <a:fontRef idx="minor">
-            <a:schemeClr val="dk1"/>
-          </a:fontRef>
-        </p:style>
-        <p:txBody>
-          <a:bodyPr rtlCol="0" anchor="ctr"/>
-          <a:lstStyle/>
-          <a:p>
-            <a:pPr algn="ctr"/>
-            <a:endParaRPr lang="de-DE"/>
-          </a:p>
-        </p:txBody>
-      </p:sp>
-      <p:sp>
-        <p:nvSpPr>
-          <p:cNvPr id="13" name="Rechteck 12"/>
-          <p:cNvSpPr/>
-          <p:nvPr/>
-        </p:nvSpPr>
-        <p:spPr>
-          <a:xfrm>
-            <a:off x="6935190" y="5046561"/>
-            <a:ext cx="3776354" cy="570015"/>
-          </a:xfrm>
-          <a:prstGeom prst="rect">
-            <a:avLst/>
-          </a:prstGeom>
-        </p:spPr>
-        <p:style>
-          <a:lnRef idx="2">
-            <a:schemeClr val="dk1"/>
-          </a:lnRef>
-          <a:fillRef idx="1">
-            <a:schemeClr val="lt1"/>
-          </a:fillRef>
-          <a:effectRef idx="0">
-            <a:schemeClr val="dk1"/>
-          </a:effectRef>
-          <a:fontRef idx="minor">
-            <a:schemeClr val="dk1"/>
-          </a:fontRef>
-        </p:style>
-        <p:txBody>
-          <a:bodyPr rtlCol="0" anchor="ctr"/>
-          <a:lstStyle/>
-          <a:p>
-            <a:pPr algn="ctr"/>
-            <a:endParaRPr lang="de-DE"/>
-          </a:p>
-        </p:txBody>
-      </p:sp>
-      <p:sp>
-        <p:nvSpPr>
-          <p:cNvPr id="14" name="Rechteck 13"/>
-          <p:cNvSpPr/>
-          <p:nvPr/>
-        </p:nvSpPr>
-        <p:spPr>
-          <a:xfrm>
-            <a:off x="6935190" y="3830333"/>
-            <a:ext cx="3776354" cy="570015"/>
-          </a:xfrm>
-          <a:prstGeom prst="rect">
-            <a:avLst/>
-          </a:prstGeom>
-        </p:spPr>
-        <p:style>
-          <a:lnRef idx="2">
-            <a:schemeClr val="dk1"/>
-          </a:lnRef>
-          <a:fillRef idx="1">
-            <a:schemeClr val="lt1"/>
-          </a:fillRef>
-          <a:effectRef idx="0">
-            <a:schemeClr val="dk1"/>
-          </a:effectRef>
-          <a:fontRef idx="minor">
-            <a:schemeClr val="dk1"/>
-          </a:fontRef>
-        </p:style>
-        <p:txBody>
-          <a:bodyPr rtlCol="0" anchor="ctr"/>
-          <a:lstStyle/>
-          <a:p>
-            <a:pPr algn="ctr"/>
-            <a:endParaRPr lang="de-DE"/>
-          </a:p>
-        </p:txBody>
-      </p:sp>
-      <p:sp>
-        <p:nvSpPr>
-          <p:cNvPr id="15" name="Textfeld 14"/>
+          <p:cNvPr id="24" name="Textfeld 23"/>
           <p:cNvSpPr txBox="1"/>
           <p:nvPr/>
         </p:nvSpPr>
         <p:spPr>
           <a:xfrm>
-            <a:off x="4391330" y="1772552"/>
-            <a:ext cx="3882601" cy="461665"/>
+            <a:off x="1751283" y="2181358"/>
+            <a:ext cx="1763303" cy="461665"/>
           </a:xfrm>
           <a:prstGeom prst="rect">
             <a:avLst/>
@@ -6807,11 +7269,7 @@
           <a:p>
             <a:r>
               <a:rPr lang="de-DE" sz="2400" dirty="0" smtClean="0"/>
-              <a:t>Neue Bestellung </a:t>
-            </a:r>
-            <a:r>
-              <a:rPr lang="de-DE" sz="2400" dirty="0" smtClean="0"/>
-              <a:t>Lehrmaterial</a:t>
+              <a:t>Bezeichnung</a:t>
             </a:r>
             <a:endParaRPr lang="de-DE" sz="2400" dirty="0"/>
           </a:p>
@@ -6819,29 +7277,28 @@
       </p:sp>
       <p:sp>
         <p:nvSpPr>
-          <p:cNvPr id="16" name="Textfeld 15"/>
-          <p:cNvSpPr txBox="1"/>
+          <p:cNvPr id="25" name="Rechteck 24"/>
+          <p:cNvSpPr/>
           <p:nvPr/>
         </p:nvSpPr>
         <p:spPr>
           <a:xfrm>
-            <a:off x="2552483" y="2172261"/>
-            <a:ext cx="1763303" cy="461665"/>
+            <a:off x="1901451" y="2959330"/>
+            <a:ext cx="1462965" cy="461665"/>
           </a:xfrm>
           <a:prstGeom prst="rect">
             <a:avLst/>
           </a:prstGeom>
-          <a:noFill/>
-        </p:spPr>
-        <p:txBody>
-          <a:bodyPr wrap="none" rtlCol="0">
+        </p:spPr>
+        <p:txBody>
+          <a:bodyPr wrap="none">
             <a:spAutoFit/>
           </a:bodyPr>
           <a:lstStyle/>
           <a:p>
             <a:r>
-              <a:rPr lang="de-DE" sz="2400" dirty="0" smtClean="0"/>
-              <a:t>Bezeichnung</a:t>
+              <a:rPr lang="de-DE" sz="2400" dirty="0"/>
+              <a:t>Bestell-Nr.</a:t>
             </a:r>
             <a:endParaRPr lang="de-DE" sz="2400" dirty="0"/>
           </a:p>
@@ -6849,14 +7306,14 @@
       </p:sp>
       <p:sp>
         <p:nvSpPr>
-          <p:cNvPr id="17" name="Rechteck 16"/>
+          <p:cNvPr id="26" name="Rechteck 25"/>
           <p:cNvSpPr/>
           <p:nvPr/>
         </p:nvSpPr>
         <p:spPr>
           <a:xfrm>
-            <a:off x="2388206" y="3397983"/>
-            <a:ext cx="2091855" cy="461665"/>
+            <a:off x="2109910" y="5130162"/>
+            <a:ext cx="1021113" cy="461665"/>
           </a:xfrm>
           <a:prstGeom prst="rect">
             <a:avLst/>
@@ -6870,7 +7327,7 @@
           <a:p>
             <a:r>
               <a:rPr lang="de-DE" sz="2400" dirty="0" smtClean="0"/>
-              <a:t>Bestellnummer</a:t>
+              <a:t>Anzahl</a:t>
             </a:r>
             <a:endParaRPr lang="de-DE" sz="2400" dirty="0"/>
           </a:p>
@@ -6878,14 +7335,14 @@
       </p:sp>
       <p:sp>
         <p:nvSpPr>
-          <p:cNvPr id="18" name="Rechteck 17"/>
+          <p:cNvPr id="27" name="Rechteck 26"/>
           <p:cNvSpPr/>
           <p:nvPr/>
         </p:nvSpPr>
         <p:spPr>
           <a:xfrm>
-            <a:off x="2852306" y="4618870"/>
-            <a:ext cx="1021113" cy="461665"/>
+            <a:off x="9494973" y="2199641"/>
+            <a:ext cx="1469441" cy="461665"/>
           </a:xfrm>
           <a:prstGeom prst="rect">
             <a:avLst/>
@@ -6899,7 +7356,7 @@
           <a:p>
             <a:r>
               <a:rPr lang="de-DE" sz="2400" dirty="0" smtClean="0"/>
-              <a:t>Anzahl</a:t>
+              <a:t>Stückpreis</a:t>
             </a:r>
             <a:endParaRPr lang="de-DE" sz="2400" dirty="0"/>
           </a:p>
@@ -6907,14 +7364,14 @@
       </p:sp>
       <p:sp>
         <p:nvSpPr>
-          <p:cNvPr id="19" name="Rechteck 18"/>
+          <p:cNvPr id="28" name="Rechteck 27"/>
           <p:cNvSpPr/>
           <p:nvPr/>
         </p:nvSpPr>
         <p:spPr>
           <a:xfrm>
-            <a:off x="8123782" y="2192654"/>
-            <a:ext cx="1469441" cy="461665"/>
+            <a:off x="7378717" y="5139082"/>
+            <a:ext cx="4099905" cy="461665"/>
           </a:xfrm>
           <a:prstGeom prst="rect">
             <a:avLst/>
@@ -6928,7 +7385,7 @@
           <a:p>
             <a:r>
               <a:rPr lang="de-DE" sz="2400" dirty="0" smtClean="0"/>
-              <a:t>Stückpreis</a:t>
+              <a:t>Vorbestellung / Nachbestellung</a:t>
             </a:r>
             <a:endParaRPr lang="de-DE" sz="2400" dirty="0"/>
           </a:p>
@@ -6936,65 +7393,7 @@
       </p:sp>
       <p:sp>
         <p:nvSpPr>
-          <p:cNvPr id="20" name="Rechteck 19"/>
-          <p:cNvSpPr/>
-          <p:nvPr/>
-        </p:nvSpPr>
-        <p:spPr>
-          <a:xfrm>
-            <a:off x="8050781" y="3429759"/>
-            <a:ext cx="1615442" cy="461665"/>
-          </a:xfrm>
-          <a:prstGeom prst="rect">
-            <a:avLst/>
-          </a:prstGeom>
-        </p:spPr>
-        <p:txBody>
-          <a:bodyPr wrap="none">
-            <a:spAutoFit/>
-          </a:bodyPr>
-          <a:lstStyle/>
-          <a:p>
-            <a:r>
-              <a:rPr lang="de-DE" sz="2400" dirty="0" smtClean="0"/>
-              <a:t>Bemerkung</a:t>
-            </a:r>
-            <a:endParaRPr lang="de-DE" sz="2400" dirty="0"/>
-          </a:p>
-        </p:txBody>
-      </p:sp>
-      <p:sp>
-        <p:nvSpPr>
-          <p:cNvPr id="21" name="Rechteck 20"/>
-          <p:cNvSpPr/>
-          <p:nvPr/>
-        </p:nvSpPr>
-        <p:spPr>
-          <a:xfrm>
-            <a:off x="6808549" y="4618870"/>
-            <a:ext cx="4099905" cy="461665"/>
-          </a:xfrm>
-          <a:prstGeom prst="rect">
-            <a:avLst/>
-          </a:prstGeom>
-        </p:spPr>
-        <p:txBody>
-          <a:bodyPr wrap="none">
-            <a:spAutoFit/>
-          </a:bodyPr>
-          <a:lstStyle/>
-          <a:p>
-            <a:r>
-              <a:rPr lang="de-DE" sz="2400" dirty="0" smtClean="0"/>
-              <a:t>Vorbestellung / Nachbestellung</a:t>
-            </a:r>
-            <a:endParaRPr lang="de-DE" sz="2400" dirty="0"/>
-          </a:p>
-        </p:txBody>
-      </p:sp>
-      <p:sp>
-        <p:nvSpPr>
-          <p:cNvPr id="22" name="Abgerundetes Rechteck 21">
+          <p:cNvPr id="29" name="Abgerundetes Rechteck 28">
             <a:hlinkClick r:id="rId4" action="ppaction://hlinksldjump"/>
           </p:cNvPr>
           <p:cNvSpPr/>
@@ -7002,8 +7401,8 @@
         </p:nvSpPr>
         <p:spPr>
           <a:xfrm>
-            <a:off x="7873341" y="5949538"/>
-            <a:ext cx="3776354" cy="748620"/>
+            <a:off x="8816195" y="6202392"/>
+            <a:ext cx="2833499" cy="495766"/>
           </a:xfrm>
           <a:prstGeom prst="roundRect">
             <a:avLst/>
@@ -7031,13 +7430,874 @@
           <a:p>
             <a:pPr algn="ctr"/>
             <a:r>
-              <a:rPr lang="de-DE" sz="2800" dirty="0" smtClean="0"/>
+              <a:rPr lang="de-DE" sz="2000" dirty="0" smtClean="0"/>
               <a:t>Bestellung weiterleiten</a:t>
             </a:r>
-            <a:endParaRPr lang="de-DE" sz="2800" dirty="0"/>
-          </a:p>
-        </p:txBody>
-      </p:sp>
+            <a:endParaRPr lang="de-DE" sz="2000" dirty="0"/>
+          </a:p>
+        </p:txBody>
+      </p:sp>
+      <p:sp>
+        <p:nvSpPr>
+          <p:cNvPr id="30" name="Rechteck 29"/>
+          <p:cNvSpPr/>
+          <p:nvPr/>
+        </p:nvSpPr>
+        <p:spPr>
+          <a:xfrm>
+            <a:off x="1474688" y="3335300"/>
+            <a:ext cx="2291556" cy="343843"/>
+          </a:xfrm>
+          <a:prstGeom prst="rect">
+            <a:avLst/>
+          </a:prstGeom>
+        </p:spPr>
+        <p:style>
+          <a:lnRef idx="2">
+            <a:schemeClr val="dk1"/>
+          </a:lnRef>
+          <a:fillRef idx="1">
+            <a:schemeClr val="lt1"/>
+          </a:fillRef>
+          <a:effectRef idx="0">
+            <a:schemeClr val="dk1"/>
+          </a:effectRef>
+          <a:fontRef idx="minor">
+            <a:schemeClr val="dk1"/>
+          </a:fontRef>
+        </p:style>
+        <p:txBody>
+          <a:bodyPr rtlCol="0" anchor="ctr"/>
+          <a:lstStyle/>
+          <a:p>
+            <a:pPr algn="ctr"/>
+            <a:endParaRPr lang="de-DE"/>
+          </a:p>
+        </p:txBody>
+      </p:sp>
+      <p:sp>
+        <p:nvSpPr>
+          <p:cNvPr id="31" name="Rechteck 30"/>
+          <p:cNvSpPr/>
+          <p:nvPr/>
+        </p:nvSpPr>
+        <p:spPr>
+          <a:xfrm>
+            <a:off x="1474688" y="5582538"/>
+            <a:ext cx="2291556" cy="343843"/>
+          </a:xfrm>
+          <a:prstGeom prst="rect">
+            <a:avLst/>
+          </a:prstGeom>
+        </p:spPr>
+        <p:style>
+          <a:lnRef idx="2">
+            <a:schemeClr val="dk1"/>
+          </a:lnRef>
+          <a:fillRef idx="1">
+            <a:schemeClr val="lt1"/>
+          </a:fillRef>
+          <a:effectRef idx="0">
+            <a:schemeClr val="dk1"/>
+          </a:effectRef>
+          <a:fontRef idx="minor">
+            <a:schemeClr val="dk1"/>
+          </a:fontRef>
+        </p:style>
+        <p:txBody>
+          <a:bodyPr rtlCol="0" anchor="ctr"/>
+          <a:lstStyle/>
+          <a:p>
+            <a:pPr algn="ctr"/>
+            <a:endParaRPr lang="de-DE"/>
+          </a:p>
+        </p:txBody>
+      </p:sp>
+      <p:sp>
+        <p:nvSpPr>
+          <p:cNvPr id="32" name="Rechteck 31"/>
+          <p:cNvSpPr/>
+          <p:nvPr/>
+        </p:nvSpPr>
+        <p:spPr>
+          <a:xfrm>
+            <a:off x="9083916" y="2605271"/>
+            <a:ext cx="2291556" cy="343843"/>
+          </a:xfrm>
+          <a:prstGeom prst="rect">
+            <a:avLst/>
+          </a:prstGeom>
+        </p:spPr>
+        <p:style>
+          <a:lnRef idx="2">
+            <a:schemeClr val="dk1"/>
+          </a:lnRef>
+          <a:fillRef idx="1">
+            <a:schemeClr val="lt1"/>
+          </a:fillRef>
+          <a:effectRef idx="0">
+            <a:schemeClr val="dk1"/>
+          </a:effectRef>
+          <a:fontRef idx="minor">
+            <a:schemeClr val="dk1"/>
+          </a:fontRef>
+        </p:style>
+        <p:txBody>
+          <a:bodyPr rtlCol="0" anchor="ctr"/>
+          <a:lstStyle/>
+          <a:p>
+            <a:pPr algn="ctr"/>
+            <a:endParaRPr lang="de-DE"/>
+          </a:p>
+        </p:txBody>
+      </p:sp>
+      <p:sp>
+        <p:nvSpPr>
+          <p:cNvPr id="33" name="Rechteck 32"/>
+          <p:cNvSpPr/>
+          <p:nvPr/>
+        </p:nvSpPr>
+        <p:spPr>
+          <a:xfrm>
+            <a:off x="8282891" y="5600747"/>
+            <a:ext cx="2291556" cy="343843"/>
+          </a:xfrm>
+          <a:prstGeom prst="rect">
+            <a:avLst/>
+          </a:prstGeom>
+        </p:spPr>
+        <p:style>
+          <a:lnRef idx="2">
+            <a:schemeClr val="dk1"/>
+          </a:lnRef>
+          <a:fillRef idx="1">
+            <a:schemeClr val="lt1"/>
+          </a:fillRef>
+          <a:effectRef idx="0">
+            <a:schemeClr val="dk1"/>
+          </a:effectRef>
+          <a:fontRef idx="minor">
+            <a:schemeClr val="dk1"/>
+          </a:fontRef>
+        </p:style>
+        <p:txBody>
+          <a:bodyPr rtlCol="0" anchor="ctr"/>
+          <a:lstStyle/>
+          <a:p>
+            <a:pPr algn="ctr"/>
+            <a:endParaRPr lang="de-DE"/>
+          </a:p>
+        </p:txBody>
+      </p:sp>
+      <p:sp>
+        <p:nvSpPr>
+          <p:cNvPr id="34" name="Abgerundetes Rechteck 33">
+            <a:hlinkClick r:id="rId4" action="ppaction://hlinksldjump"/>
+          </p:cNvPr>
+          <p:cNvSpPr/>
+          <p:nvPr/>
+        </p:nvSpPr>
+        <p:spPr>
+          <a:xfrm>
+            <a:off x="8816194" y="3163458"/>
+            <a:ext cx="2833499" cy="495766"/>
+          </a:xfrm>
+          <a:prstGeom prst="roundRect">
+            <a:avLst/>
+          </a:prstGeom>
+        </p:spPr>
+        <p:style>
+          <a:lnRef idx="2">
+            <a:schemeClr val="accent1">
+              <a:shade val="50000"/>
+            </a:schemeClr>
+          </a:lnRef>
+          <a:fillRef idx="1">
+            <a:schemeClr val="accent1"/>
+          </a:fillRef>
+          <a:effectRef idx="0">
+            <a:schemeClr val="accent1"/>
+          </a:effectRef>
+          <a:fontRef idx="minor">
+            <a:schemeClr val="lt1"/>
+          </a:fontRef>
+        </p:style>
+        <p:txBody>
+          <a:bodyPr rtlCol="0" anchor="ctr"/>
+          <a:lstStyle/>
+          <a:p>
+            <a:pPr algn="ctr"/>
+            <a:r>
+              <a:rPr lang="de-DE" dirty="0" smtClean="0"/>
+              <a:t>Neues Lehrmittel anlegen</a:t>
+            </a:r>
+            <a:endParaRPr lang="de-DE" dirty="0"/>
+          </a:p>
+        </p:txBody>
+      </p:sp>
+      <p:sp>
+        <p:nvSpPr>
+          <p:cNvPr id="35" name="Rechteck 34"/>
+          <p:cNvSpPr/>
+          <p:nvPr/>
+        </p:nvSpPr>
+        <p:spPr>
+          <a:xfrm>
+            <a:off x="5500430" y="2199641"/>
+            <a:ext cx="756682" cy="461665"/>
+          </a:xfrm>
+          <a:prstGeom prst="rect">
+            <a:avLst/>
+          </a:prstGeom>
+        </p:spPr>
+        <p:txBody>
+          <a:bodyPr wrap="none">
+            <a:spAutoFit/>
+          </a:bodyPr>
+          <a:lstStyle/>
+          <a:p>
+            <a:r>
+              <a:rPr lang="de-DE" sz="2400" dirty="0" smtClean="0"/>
+              <a:t>Fach</a:t>
+            </a:r>
+            <a:endParaRPr lang="de-DE" sz="2400" dirty="0"/>
+          </a:p>
+        </p:txBody>
+      </p:sp>
+      <p:sp>
+        <p:nvSpPr>
+          <p:cNvPr id="36" name="Rechteck 35"/>
+          <p:cNvSpPr/>
+          <p:nvPr/>
+        </p:nvSpPr>
+        <p:spPr>
+          <a:xfrm>
+            <a:off x="4732993" y="2609446"/>
+            <a:ext cx="2291556" cy="343843"/>
+          </a:xfrm>
+          <a:prstGeom prst="rect">
+            <a:avLst/>
+          </a:prstGeom>
+        </p:spPr>
+        <p:style>
+          <a:lnRef idx="2">
+            <a:schemeClr val="dk1"/>
+          </a:lnRef>
+          <a:fillRef idx="1">
+            <a:schemeClr val="lt1"/>
+          </a:fillRef>
+          <a:effectRef idx="0">
+            <a:schemeClr val="dk1"/>
+          </a:effectRef>
+          <a:fontRef idx="minor">
+            <a:schemeClr val="dk1"/>
+          </a:fontRef>
+        </p:style>
+        <p:txBody>
+          <a:bodyPr rtlCol="0" anchor="ctr"/>
+          <a:lstStyle/>
+          <a:p>
+            <a:pPr algn="ctr"/>
+            <a:endParaRPr lang="de-DE"/>
+          </a:p>
+        </p:txBody>
+      </p:sp>
+      <p:sp>
+        <p:nvSpPr>
+          <p:cNvPr id="37" name="Rechteck 36"/>
+          <p:cNvSpPr/>
+          <p:nvPr/>
+        </p:nvSpPr>
+        <p:spPr>
+          <a:xfrm>
+            <a:off x="2072080" y="4324076"/>
+            <a:ext cx="146649" cy="147769"/>
+          </a:xfrm>
+          <a:prstGeom prst="rect">
+            <a:avLst/>
+          </a:prstGeom>
+        </p:spPr>
+        <p:style>
+          <a:lnRef idx="2">
+            <a:schemeClr val="dk1"/>
+          </a:lnRef>
+          <a:fillRef idx="1">
+            <a:schemeClr val="lt1"/>
+          </a:fillRef>
+          <a:effectRef idx="0">
+            <a:schemeClr val="dk1"/>
+          </a:effectRef>
+          <a:fontRef idx="minor">
+            <a:schemeClr val="dk1"/>
+          </a:fontRef>
+        </p:style>
+        <p:txBody>
+          <a:bodyPr rtlCol="0" anchor="ctr"/>
+          <a:lstStyle/>
+          <a:p>
+            <a:pPr algn="ctr"/>
+            <a:endParaRPr lang="de-DE"/>
+          </a:p>
+        </p:txBody>
+      </p:sp>
+      <p:graphicFrame>
+        <p:nvGraphicFramePr>
+          <p:cNvPr id="38" name="Tabelle 37"/>
+          <p:cNvGraphicFramePr>
+            <a:graphicFrameLocks noGrp="1"/>
+          </p:cNvGraphicFramePr>
+          <p:nvPr>
+            <p:extLst>
+              <p:ext uri="{D42A27DB-BD31-4B8C-83A1-F6EECF244321}">
+                <p14:modId xmlns:p14="http://schemas.microsoft.com/office/powerpoint/2010/main" val="485747415"/>
+              </p:ext>
+            </p:extLst>
+          </p:nvPr>
+        </p:nvGraphicFramePr>
+        <p:xfrm>
+          <a:off x="283534" y="3883260"/>
+          <a:ext cx="11370753" cy="741680"/>
+        </p:xfrm>
+        <a:graphic>
+          <a:graphicData uri="http://schemas.openxmlformats.org/drawingml/2006/table">
+            <a:tbl>
+              <a:tblPr firstRow="1" bandRow="1">
+                <a:tableStyleId>{5C22544A-7EE6-4342-B048-85BDC9FD1C3A}</a:tableStyleId>
+              </a:tblPr>
+              <a:tblGrid>
+                <a:gridCol w="1628375"/>
+                <a:gridCol w="1387604"/>
+                <a:gridCol w="859578"/>
+                <a:gridCol w="1178849"/>
+                <a:gridCol w="2689249"/>
+                <a:gridCol w="3627098"/>
+              </a:tblGrid>
+              <a:tr h="370840">
+                <a:tc>
+                  <a:txBody>
+                    <a:bodyPr/>
+                    <a:lstStyle/>
+                    <a:p>
+                      <a:r>
+                        <a:rPr lang="de-DE" sz="1400" dirty="0" smtClean="0"/>
+                        <a:t>Bezeichnung</a:t>
+                      </a:r>
+                      <a:endParaRPr lang="de-DE" sz="1400" dirty="0"/>
+                    </a:p>
+                  </a:txBody>
+                  <a:tcPr/>
+                </a:tc>
+                <a:tc>
+                  <a:txBody>
+                    <a:bodyPr/>
+                    <a:lstStyle/>
+                    <a:p>
+                      <a:r>
+                        <a:rPr lang="de-DE" sz="1400" dirty="0" smtClean="0"/>
+                        <a:t>Bestell-Nr.</a:t>
+                      </a:r>
+                      <a:endParaRPr lang="de-DE" sz="1400" dirty="0"/>
+                    </a:p>
+                  </a:txBody>
+                  <a:tcPr/>
+                </a:tc>
+                <a:tc>
+                  <a:txBody>
+                    <a:bodyPr/>
+                    <a:lstStyle/>
+                    <a:p>
+                      <a:r>
+                        <a:rPr lang="de-DE" sz="1400" dirty="0" err="1" smtClean="0"/>
+                        <a:t>StkPreis</a:t>
+                      </a:r>
+                      <a:endParaRPr lang="de-DE" sz="1400" dirty="0"/>
+                    </a:p>
+                  </a:txBody>
+                  <a:tcPr/>
+                </a:tc>
+                <a:tc>
+                  <a:txBody>
+                    <a:bodyPr/>
+                    <a:lstStyle/>
+                    <a:p>
+                      <a:r>
+                        <a:rPr lang="de-DE" sz="1400" dirty="0" smtClean="0"/>
+                        <a:t>Fach</a:t>
+                      </a:r>
+                      <a:endParaRPr lang="de-DE" sz="1400" dirty="0"/>
+                    </a:p>
+                  </a:txBody>
+                  <a:tcPr/>
+                </a:tc>
+                <a:tc>
+                  <a:txBody>
+                    <a:bodyPr/>
+                    <a:lstStyle/>
+                    <a:p>
+                      <a:r>
+                        <a:rPr lang="de-DE" sz="1400" dirty="0" smtClean="0"/>
+                        <a:t>Bemerkung</a:t>
+                      </a:r>
+                      <a:endParaRPr lang="de-DE" sz="1400" dirty="0"/>
+                    </a:p>
+                  </a:txBody>
+                  <a:tcPr/>
+                </a:tc>
+                <a:tc>
+                  <a:txBody>
+                    <a:bodyPr/>
+                    <a:lstStyle/>
+                    <a:p>
+                      <a:r>
+                        <a:rPr lang="de-DE" sz="1400" dirty="0" smtClean="0"/>
+                        <a:t>Bearbeiten</a:t>
+                      </a:r>
+                      <a:endParaRPr lang="de-DE" sz="1400" dirty="0"/>
+                    </a:p>
+                  </a:txBody>
+                  <a:tcPr/>
+                </a:tc>
+              </a:tr>
+              <a:tr h="370840">
+                <a:tc>
+                  <a:txBody>
+                    <a:bodyPr/>
+                    <a:lstStyle/>
+                    <a:p>
+                      <a:r>
+                        <a:rPr lang="de-DE" sz="1400" dirty="0" smtClean="0"/>
+                        <a:t>Lötzinn</a:t>
+                      </a:r>
+                      <a:endParaRPr lang="de-DE" sz="1400" dirty="0"/>
+                    </a:p>
+                  </a:txBody>
+                  <a:tcPr/>
+                </a:tc>
+                <a:tc>
+                  <a:txBody>
+                    <a:bodyPr/>
+                    <a:lstStyle/>
+                    <a:p>
+                      <a:r>
+                        <a:rPr lang="de-DE" sz="1400" dirty="0" smtClean="0"/>
+                        <a:t>564516384-45</a:t>
+                      </a:r>
+                      <a:endParaRPr lang="de-DE" sz="1400" dirty="0"/>
+                    </a:p>
+                  </a:txBody>
+                  <a:tcPr/>
+                </a:tc>
+                <a:tc>
+                  <a:txBody>
+                    <a:bodyPr/>
+                    <a:lstStyle/>
+                    <a:p>
+                      <a:r>
+                        <a:rPr lang="de-DE" sz="1400" dirty="0" smtClean="0"/>
+                        <a:t>4,59 €</a:t>
+                      </a:r>
+                      <a:endParaRPr lang="de-DE" sz="1400" dirty="0"/>
+                    </a:p>
+                  </a:txBody>
+                  <a:tcPr/>
+                </a:tc>
+                <a:tc>
+                  <a:txBody>
+                    <a:bodyPr/>
+                    <a:lstStyle/>
+                    <a:p>
+                      <a:endParaRPr lang="de-DE" sz="1400" dirty="0"/>
+                    </a:p>
+                  </a:txBody>
+                  <a:tcPr/>
+                </a:tc>
+                <a:tc>
+                  <a:txBody>
+                    <a:bodyPr/>
+                    <a:lstStyle/>
+                    <a:p>
+                      <a:endParaRPr lang="de-DE" sz="1400" dirty="0"/>
+                    </a:p>
+                  </a:txBody>
+                  <a:tcPr/>
+                </a:tc>
+                <a:tc>
+                  <a:txBody>
+                    <a:bodyPr/>
+                    <a:lstStyle/>
+                    <a:p>
+                      <a:pPr algn="ctr"/>
+                      <a:r>
+                        <a:rPr lang="de-DE" sz="1400" dirty="0" smtClean="0"/>
+                        <a:t>Ändern / Löschen</a:t>
+                      </a:r>
+                      <a:endParaRPr lang="de-DE" sz="1400" dirty="0"/>
+                    </a:p>
+                  </a:txBody>
+                  <a:tcPr/>
+                </a:tc>
+              </a:tr>
+            </a:tbl>
+          </a:graphicData>
+        </a:graphic>
+      </p:graphicFrame>
+      <p:sp>
+        <p:nvSpPr>
+          <p:cNvPr id="39" name="Rechteck 38"/>
+          <p:cNvSpPr/>
+          <p:nvPr/>
+        </p:nvSpPr>
+        <p:spPr>
+          <a:xfrm>
+            <a:off x="1604634" y="4361655"/>
+            <a:ext cx="146649" cy="147769"/>
+          </a:xfrm>
+          <a:prstGeom prst="rect">
+            <a:avLst/>
+          </a:prstGeom>
+        </p:spPr>
+        <p:style>
+          <a:lnRef idx="2">
+            <a:schemeClr val="dk1"/>
+          </a:lnRef>
+          <a:fillRef idx="1">
+            <a:schemeClr val="lt1"/>
+          </a:fillRef>
+          <a:effectRef idx="0">
+            <a:schemeClr val="dk1"/>
+          </a:effectRef>
+          <a:fontRef idx="minor">
+            <a:schemeClr val="dk1"/>
+          </a:fontRef>
+        </p:style>
+        <p:txBody>
+          <a:bodyPr rtlCol="0" anchor="ctr"/>
+          <a:lstStyle/>
+          <a:p>
+            <a:pPr algn="ctr"/>
+            <a:endParaRPr lang="de-DE"/>
+          </a:p>
+        </p:txBody>
+      </p:sp>
+      <p:sp>
+        <p:nvSpPr>
+          <p:cNvPr id="40" name="Rechteck 39"/>
+          <p:cNvSpPr/>
+          <p:nvPr/>
+        </p:nvSpPr>
+        <p:spPr>
+          <a:xfrm>
+            <a:off x="5071050" y="2935455"/>
+            <a:ext cx="1615442" cy="461665"/>
+          </a:xfrm>
+          <a:prstGeom prst="rect">
+            <a:avLst/>
+          </a:prstGeom>
+        </p:spPr>
+        <p:txBody>
+          <a:bodyPr wrap="none">
+            <a:spAutoFit/>
+          </a:bodyPr>
+          <a:lstStyle/>
+          <a:p>
+            <a:r>
+              <a:rPr lang="de-DE" sz="2400" dirty="0" smtClean="0"/>
+              <a:t>Bemerkung</a:t>
+            </a:r>
+            <a:endParaRPr lang="de-DE" sz="2400" dirty="0"/>
+          </a:p>
+        </p:txBody>
+      </p:sp>
+      <p:sp>
+        <p:nvSpPr>
+          <p:cNvPr id="41" name="Rechteck 40"/>
+          <p:cNvSpPr/>
+          <p:nvPr/>
+        </p:nvSpPr>
+        <p:spPr>
+          <a:xfrm>
+            <a:off x="4732993" y="3335300"/>
+            <a:ext cx="2291556" cy="343843"/>
+          </a:xfrm>
+          <a:prstGeom prst="rect">
+            <a:avLst/>
+          </a:prstGeom>
+        </p:spPr>
+        <p:style>
+          <a:lnRef idx="2">
+            <a:schemeClr val="dk1"/>
+          </a:lnRef>
+          <a:fillRef idx="1">
+            <a:schemeClr val="lt1"/>
+          </a:fillRef>
+          <a:effectRef idx="0">
+            <a:schemeClr val="dk1"/>
+          </a:effectRef>
+          <a:fontRef idx="minor">
+            <a:schemeClr val="dk1"/>
+          </a:fontRef>
+        </p:style>
+        <p:txBody>
+          <a:bodyPr rtlCol="0" anchor="ctr"/>
+          <a:lstStyle/>
+          <a:p>
+            <a:pPr algn="ctr"/>
+            <a:endParaRPr lang="de-DE"/>
+          </a:p>
+        </p:txBody>
+      </p:sp>
+      <p:grpSp>
+        <p:nvGrpSpPr>
+          <p:cNvPr id="42" name="Gruppieren 41"/>
+          <p:cNvGrpSpPr/>
+          <p:nvPr/>
+        </p:nvGrpSpPr>
+        <p:grpSpPr>
+          <a:xfrm>
+            <a:off x="11649694" y="3883261"/>
+            <a:ext cx="325390" cy="741680"/>
+            <a:chOff x="11015928" y="3839104"/>
+            <a:chExt cx="345060" cy="1117574"/>
+          </a:xfrm>
+        </p:grpSpPr>
+        <p:sp>
+          <p:nvSpPr>
+            <p:cNvPr id="43" name="Rechteck 42"/>
+            <p:cNvSpPr/>
+            <p:nvPr/>
+          </p:nvSpPr>
+          <p:spPr>
+            <a:xfrm>
+              <a:off x="11015929" y="3839104"/>
+              <a:ext cx="345059" cy="1112520"/>
+            </a:xfrm>
+            <a:prstGeom prst="rect">
+              <a:avLst/>
+            </a:prstGeom>
+          </p:spPr>
+          <p:style>
+            <a:lnRef idx="2">
+              <a:schemeClr val="dk1"/>
+            </a:lnRef>
+            <a:fillRef idx="1">
+              <a:schemeClr val="lt1"/>
+            </a:fillRef>
+            <a:effectRef idx="0">
+              <a:schemeClr val="dk1"/>
+            </a:effectRef>
+            <a:fontRef idx="minor">
+              <a:schemeClr val="dk1"/>
+            </a:fontRef>
+          </p:style>
+          <p:txBody>
+            <a:bodyPr rtlCol="0" anchor="ctr"/>
+            <a:lstStyle/>
+            <a:p>
+              <a:pPr algn="ctr"/>
+              <a:endParaRPr lang="de-DE"/>
+            </a:p>
+          </p:txBody>
+        </p:sp>
+        <p:sp>
+          <p:nvSpPr>
+            <p:cNvPr id="44" name="Rechteck 43"/>
+            <p:cNvSpPr/>
+            <p:nvPr/>
+          </p:nvSpPr>
+          <p:spPr>
+            <a:xfrm>
+              <a:off x="11015929" y="3839104"/>
+              <a:ext cx="345059" cy="301575"/>
+            </a:xfrm>
+            <a:prstGeom prst="rect">
+              <a:avLst/>
+            </a:prstGeom>
+          </p:spPr>
+          <p:style>
+            <a:lnRef idx="2">
+              <a:schemeClr val="dk1"/>
+            </a:lnRef>
+            <a:fillRef idx="1">
+              <a:schemeClr val="lt1"/>
+            </a:fillRef>
+            <a:effectRef idx="0">
+              <a:schemeClr val="dk1"/>
+            </a:effectRef>
+            <a:fontRef idx="minor">
+              <a:schemeClr val="dk1"/>
+            </a:fontRef>
+          </p:style>
+          <p:txBody>
+            <a:bodyPr rtlCol="0" anchor="ctr"/>
+            <a:lstStyle/>
+            <a:p>
+              <a:pPr algn="ctr"/>
+              <a:endParaRPr lang="de-DE"/>
+            </a:p>
+          </p:txBody>
+        </p:sp>
+        <p:sp>
+          <p:nvSpPr>
+            <p:cNvPr id="45" name="Rechteck 44"/>
+            <p:cNvSpPr/>
+            <p:nvPr/>
+          </p:nvSpPr>
+          <p:spPr>
+            <a:xfrm>
+              <a:off x="11015928" y="4655103"/>
+              <a:ext cx="345059" cy="301575"/>
+            </a:xfrm>
+            <a:prstGeom prst="rect">
+              <a:avLst/>
+            </a:prstGeom>
+          </p:spPr>
+          <p:style>
+            <a:lnRef idx="2">
+              <a:schemeClr val="dk1"/>
+            </a:lnRef>
+            <a:fillRef idx="1">
+              <a:schemeClr val="lt1"/>
+            </a:fillRef>
+            <a:effectRef idx="0">
+              <a:schemeClr val="dk1"/>
+            </a:effectRef>
+            <a:fontRef idx="minor">
+              <a:schemeClr val="dk1"/>
+            </a:fontRef>
+          </p:style>
+          <p:txBody>
+            <a:bodyPr rtlCol="0" anchor="ctr"/>
+            <a:lstStyle/>
+            <a:p>
+              <a:pPr algn="ctr"/>
+              <a:endParaRPr lang="de-DE"/>
+            </a:p>
+          </p:txBody>
+        </p:sp>
+        <p:sp>
+          <p:nvSpPr>
+            <p:cNvPr id="46" name="Rechteck 45"/>
+            <p:cNvSpPr/>
+            <p:nvPr/>
+          </p:nvSpPr>
+          <p:spPr>
+            <a:xfrm>
+              <a:off x="11015928" y="4389047"/>
+              <a:ext cx="345059" cy="176164"/>
+            </a:xfrm>
+            <a:prstGeom prst="rect">
+              <a:avLst/>
+            </a:prstGeom>
+            <a:solidFill>
+              <a:schemeClr val="bg2">
+                <a:lumMod val="75000"/>
+              </a:schemeClr>
+            </a:solidFill>
+          </p:spPr>
+          <p:style>
+            <a:lnRef idx="2">
+              <a:schemeClr val="dk1"/>
+            </a:lnRef>
+            <a:fillRef idx="1">
+              <a:schemeClr val="lt1"/>
+            </a:fillRef>
+            <a:effectRef idx="0">
+              <a:schemeClr val="dk1"/>
+            </a:effectRef>
+            <a:fontRef idx="minor">
+              <a:schemeClr val="dk1"/>
+            </a:fontRef>
+          </p:style>
+          <p:txBody>
+            <a:bodyPr rtlCol="0" anchor="ctr"/>
+            <a:lstStyle/>
+            <a:p>
+              <a:pPr algn="ctr"/>
+              <a:endParaRPr lang="de-DE"/>
+            </a:p>
+          </p:txBody>
+        </p:sp>
+        <p:sp>
+          <p:nvSpPr>
+            <p:cNvPr id="47" name="Gleichschenkliges Dreieck 46"/>
+            <p:cNvSpPr/>
+            <p:nvPr/>
+          </p:nvSpPr>
+          <p:spPr>
+            <a:xfrm>
+              <a:off x="11055183" y="3925193"/>
+              <a:ext cx="242725" cy="129396"/>
+            </a:xfrm>
+            <a:prstGeom prst="triangle">
+              <a:avLst/>
+            </a:prstGeom>
+          </p:spPr>
+          <p:style>
+            <a:lnRef idx="2">
+              <a:schemeClr val="dk1">
+                <a:shade val="50000"/>
+              </a:schemeClr>
+            </a:lnRef>
+            <a:fillRef idx="1">
+              <a:schemeClr val="dk1"/>
+            </a:fillRef>
+            <a:effectRef idx="0">
+              <a:schemeClr val="dk1"/>
+            </a:effectRef>
+            <a:fontRef idx="minor">
+              <a:schemeClr val="lt1"/>
+            </a:fontRef>
+          </p:style>
+          <p:txBody>
+            <a:bodyPr rtlCol="0" anchor="ctr"/>
+            <a:lstStyle/>
+            <a:p>
+              <a:pPr algn="ctr"/>
+              <a:endParaRPr lang="de-DE"/>
+            </a:p>
+          </p:txBody>
+        </p:sp>
+        <p:sp>
+          <p:nvSpPr>
+            <p:cNvPr id="48" name="Gleichschenkliges Dreieck 47"/>
+            <p:cNvSpPr/>
+            <p:nvPr/>
+          </p:nvSpPr>
+          <p:spPr>
+            <a:xfrm rot="10800000">
+              <a:off x="11063808" y="4746248"/>
+              <a:ext cx="242725" cy="129396"/>
+            </a:xfrm>
+            <a:prstGeom prst="triangle">
+              <a:avLst/>
+            </a:prstGeom>
+          </p:spPr>
+          <p:style>
+            <a:lnRef idx="2">
+              <a:schemeClr val="dk1">
+                <a:shade val="50000"/>
+              </a:schemeClr>
+            </a:lnRef>
+            <a:fillRef idx="1">
+              <a:schemeClr val="dk1"/>
+            </a:fillRef>
+            <a:effectRef idx="0">
+              <a:schemeClr val="dk1"/>
+            </a:effectRef>
+            <a:fontRef idx="minor">
+              <a:schemeClr val="lt1"/>
+            </a:fontRef>
+          </p:style>
+          <p:txBody>
+            <a:bodyPr rtlCol="0" anchor="ctr"/>
+            <a:lstStyle/>
+            <a:p>
+              <a:pPr algn="ctr"/>
+              <a:endParaRPr lang="de-DE"/>
+            </a:p>
+          </p:txBody>
+        </p:sp>
+      </p:grpSp>
     </p:spTree>
     <p:extLst>
       <p:ext uri="{BB962C8B-B14F-4D97-AF65-F5344CB8AC3E}">
@@ -7519,8 +8779,8 @@
         </p:nvSpPr>
         <p:spPr>
           <a:xfrm>
-            <a:off x="4119961" y="1792905"/>
-            <a:ext cx="3930820" cy="461665"/>
+            <a:off x="4680947" y="1791524"/>
+            <a:ext cx="2682466" cy="461665"/>
           </a:xfrm>
           <a:prstGeom prst="rect">
             <a:avLst/>
@@ -7534,12 +8794,8 @@
           <a:lstStyle/>
           <a:p>
             <a:r>
-              <a:rPr lang="de-DE" sz="2400" dirty="0" smtClean="0"/>
-              <a:t>Neue Bestellung </a:t>
-            </a:r>
-            <a:r>
-              <a:rPr lang="de-DE" sz="2400" dirty="0" smtClean="0"/>
-              <a:t>Abonnement</a:t>
+              <a:rPr lang="de-DE" sz="2400" dirty="0"/>
+              <a:t>Neues Abonnement</a:t>
             </a:r>
             <a:endParaRPr lang="de-DE" sz="2400" dirty="0"/>
           </a:p>
